--- a/Poster.pptx
+++ b/Poster.pptx
@@ -14301,13 +14301,31 @@
         <p:spPr/>
         <p:txBody>
           <a:bodyPr>
-            <a:normAutofit fontScale="62500" lnSpcReduction="20000"/>
+            <a:normAutofit fontScale="70000" lnSpcReduction="20000"/>
           </a:bodyPr>
           <a:lstStyle/>
           <a:p>
             <a:r>
               <a:rPr lang="en-US" dirty="0"/>
-              <a:t>Intensive-care readmissions place a heavy clinical and financial load on hospitals and often signal that the original discharge did not address the patient’s core problems. Emerging evidence points to mental-health conditions and interrupted use of psychotropic drugs as important—yet overlooked—drivers of these return visits. Using the MIMIC-IV database, we flag psychiatric admissions with a validated list of ICD-9/10 codes that covers major mood, psychotic, anxiety, substance-use, neurodevelopmental and eating disorders. We then combine these diagnoses with age, comorbidity (Charlson Index), organ-failure (SOFA), and inflammatory (SIRS) scores, and enrich them with information extracted from free-text clinical notes. This approach lets us quantify how specific disorders and medication gaps influence short-, mid-, and long-term ICU readmission risk and highlights targets for better continuity of psychiatric care after discharge.</a:t>
+              <a:t>ICU readmissions hurt patients and drive up costs. They often mean the first stay did not fix the real problem.</a:t>
+            </a:r>
+          </a:p>
+          <a:p>
+            <a:r>
+              <a:rPr lang="en-US" dirty="0"/>
+              <a:t>Mental-health conditions and lapses in psychotropic medication are common but under-studied reasons people come back to the ICU.</a:t>
+            </a:r>
+          </a:p>
+          <a:p>
+            <a:r>
+              <a:rPr lang="en-US" dirty="0"/>
+              <a:t>We used the large MIMIC-IV database to see which psychiatric diagnoses and medication issues predict early, mid-, and long-term ICU readmissions.</a:t>
+            </a:r>
+          </a:p>
+          <a:p>
+            <a:r>
+              <a:rPr lang="en-US" dirty="0"/>
+              <a:t>Standard scores (SOFA, SIRS, Charlson) plus text from clinical notes feed our models, giving a sharper view of risk than vitals or labs alone.</a:t>
             </a:r>
           </a:p>
         </p:txBody>
@@ -14454,31 +14472,6 @@
       </p:sp>
       <p:sp>
         <p:nvSpPr>
-          <p:cNvPr id="8" name="Picture Placeholder 7">
-            <a:extLst>
-              <a:ext uri="{FF2B5EF4-FFF2-40B4-BE49-F238E27FC236}">
-                <a16:creationId xmlns:a16="http://schemas.microsoft.com/office/drawing/2014/main" id="{55C8CDF5-6EDF-CDE3-5442-3B982B49AB14}"/>
-              </a:ext>
-            </a:extLst>
-          </p:cNvPr>
-          <p:cNvSpPr>
-            <a:spLocks noGrp="1"/>
-          </p:cNvSpPr>
-          <p:nvPr>
-            <p:ph type="pic" sz="quarter" idx="34"/>
-          </p:nvPr>
-        </p:nvSpPr>
-        <p:spPr/>
-        <p:txBody>
-          <a:bodyPr/>
-          <a:lstStyle/>
-          <a:p>
-            <a:endParaRPr lang="en-US"/>
-          </a:p>
-        </p:txBody>
-      </p:sp>
-      <p:sp>
-        <p:nvSpPr>
           <p:cNvPr id="9" name="Picture Placeholder 8">
             <a:extLst>
               <a:ext uri="{FF2B5EF4-FFF2-40B4-BE49-F238E27FC236}">
@@ -14491,31 +14484,6 @@
           </p:cNvSpPr>
           <p:nvPr>
             <p:ph type="pic" sz="quarter" idx="35"/>
-          </p:nvPr>
-        </p:nvSpPr>
-        <p:spPr/>
-        <p:txBody>
-          <a:bodyPr/>
-          <a:lstStyle/>
-          <a:p>
-            <a:endParaRPr lang="en-US"/>
-          </a:p>
-        </p:txBody>
-      </p:sp>
-      <p:sp>
-        <p:nvSpPr>
-          <p:cNvPr id="10" name="Picture Placeholder 9">
-            <a:extLst>
-              <a:ext uri="{FF2B5EF4-FFF2-40B4-BE49-F238E27FC236}">
-                <a16:creationId xmlns:a16="http://schemas.microsoft.com/office/drawing/2014/main" id="{7C9A684B-A726-E70A-2608-2587B5635470}"/>
-              </a:ext>
-            </a:extLst>
-          </p:cNvPr>
-          <p:cNvSpPr>
-            <a:spLocks noGrp="1"/>
-          </p:cNvSpPr>
-          <p:nvPr>
-            <p:ph type="pic" sz="quarter" idx="36"/>
           </p:nvPr>
         </p:nvSpPr>
         <p:spPr/>
@@ -14576,12 +14544,6 @@
           <a:bodyPr/>
           <a:lstStyle/>
           <a:p>
-            <a:r>
-              <a:rPr lang="en-US" dirty="0"/>
-              <a:t>Delete text to: Insert chart or image best with no outlines around. Think Clean nothing extra. </a:t>
-            </a:r>
-          </a:p>
-          <a:p>
             <a:endParaRPr lang="en-US" dirty="0"/>
           </a:p>
         </p:txBody>
@@ -14609,11 +14571,8 @@
           <a:p>
             <a:r>
               <a:rPr lang="en-US" dirty="0"/>
-              <a:t>Enter in content here no smaller than 32 pt. . Less is more! Only input the necessary big impact content. </a:t>
-            </a:r>
-          </a:p>
-          <a:p>
-            <a:endParaRPr lang="en-US" dirty="0"/>
+              <a:t>s</a:t>
+            </a:r>
           </a:p>
         </p:txBody>
       </p:sp>
@@ -14666,12 +14625,18 @@
           <a:bodyPr/>
           <a:lstStyle/>
           <a:p>
+            <a:pPr marL="742950" indent="-742950">
+              <a:buAutoNum type="arabicPeriod"/>
+            </a:pPr>
             <a:r>
               <a:rPr lang="en-US" dirty="0"/>
-              <a:t>Enter in content here no smaller than 32 pt. . Less is more! Only input the necessary big impact content. </a:t>
-            </a:r>
-          </a:p>
-          <a:p>
+              <a:t>List of psychiatric disorders and psychotic medications that increase chance of readmissions</a:t>
+            </a:r>
+          </a:p>
+          <a:p>
+            <a:pPr marL="742950" indent="-742950">
+              <a:buAutoNum type="arabicPeriod"/>
+            </a:pPr>
             <a:endParaRPr lang="en-US" dirty="0"/>
           </a:p>
         </p:txBody>
@@ -14706,37 +14671,6 @@
       </p:sp>
       <p:sp>
         <p:nvSpPr>
-          <p:cNvPr id="18" name="Picture Placeholder 17">
-            <a:extLst>
-              <a:ext uri="{FF2B5EF4-FFF2-40B4-BE49-F238E27FC236}">
-                <a16:creationId xmlns:a16="http://schemas.microsoft.com/office/drawing/2014/main" id="{B265CF52-5F5E-CE78-01F0-A4D2A843CBCA}"/>
-              </a:ext>
-            </a:extLst>
-          </p:cNvPr>
-          <p:cNvSpPr>
-            <a:spLocks noGrp="1"/>
-          </p:cNvSpPr>
-          <p:nvPr>
-            <p:ph type="pic" sz="quarter" idx="44"/>
-          </p:nvPr>
-        </p:nvSpPr>
-        <p:spPr/>
-        <p:txBody>
-          <a:bodyPr/>
-          <a:lstStyle/>
-          <a:p>
-            <a:r>
-              <a:rPr lang="en-US" dirty="0"/>
-              <a:t>Delete text to: Insert chart or image best with no outlines around. Think Clean nothing extra. </a:t>
-            </a:r>
-          </a:p>
-          <a:p>
-            <a:endParaRPr lang="en-US" dirty="0"/>
-          </a:p>
-        </p:txBody>
-      </p:sp>
-      <p:sp>
-        <p:nvSpPr>
           <p:cNvPr id="19" name="Text Placeholder 18">
             <a:extLst>
               <a:ext uri="{FF2B5EF4-FFF2-40B4-BE49-F238E27FC236}">
@@ -14758,10 +14692,71 @@
           <a:p>
             <a:r>
               <a:rPr lang="en-US" dirty="0"/>
-              <a:t>Enter in content here no smaller than 32 pt. . Less is more! Only input the necessary big impact content. </a:t>
-            </a:r>
-          </a:p>
-          <a:p>
+              <a:t>To answer 4 research questions, we do:</a:t>
+            </a:r>
+          </a:p>
+          <a:p>
+            <a:pPr marL="571500" indent="-571500">
+              <a:buFontTx/>
+              <a:buChar char="-"/>
+            </a:pPr>
+            <a:r>
+              <a:rPr lang="en-US" dirty="0"/>
+              <a:t>Extracting patients cohorts</a:t>
+            </a:r>
+          </a:p>
+          <a:p>
+            <a:pPr marL="571500" indent="-571500">
+              <a:buFontTx/>
+              <a:buChar char="-"/>
+            </a:pPr>
+            <a:r>
+              <a:rPr lang="en-US" dirty="0"/>
+              <a:t>Data analysis</a:t>
+            </a:r>
+          </a:p>
+          <a:p>
+            <a:pPr marL="571500" indent="-571500">
+              <a:buFontTx/>
+              <a:buChar char="-"/>
+            </a:pPr>
+            <a:r>
+              <a:rPr lang="en-US" dirty="0"/>
+              <a:t>Extracting variables and measurements (SOFA, SIRS, Charlson)</a:t>
+            </a:r>
+          </a:p>
+          <a:p>
+            <a:pPr marL="571500" indent="-571500">
+              <a:buFontTx/>
+              <a:buChar char="-"/>
+            </a:pPr>
+            <a:r>
+              <a:rPr lang="en-US" dirty="0"/>
+              <a:t>Statistical test and modeling</a:t>
+            </a:r>
+          </a:p>
+          <a:p>
+            <a:pPr marL="571500" indent="-571500">
+              <a:buFontTx/>
+              <a:buChar char="-"/>
+            </a:pPr>
+            <a:r>
+              <a:rPr lang="en-US" dirty="0"/>
+              <a:t>Evaluation</a:t>
+            </a:r>
+          </a:p>
+          <a:p>
+            <a:pPr marL="571500" indent="-571500">
+              <a:buFontTx/>
+              <a:buChar char="-"/>
+            </a:pPr>
+            <a:endParaRPr lang="en-US" dirty="0"/>
+          </a:p>
+          <a:p>
+            <a:pPr marL="571500" indent="-571500">
+              <a:buFontTx/>
+              <a:buChar char="-"/>
+            </a:pPr>
             <a:endParaRPr lang="en-US" dirty="0"/>
           </a:p>
         </p:txBody>
@@ -14884,6 +14879,108 @@
           <a:xfrm>
             <a:off x="1065345" y="16368217"/>
             <a:ext cx="10632627" cy="8016301"/>
+          </a:xfrm>
+          <a:prstGeom prst="rect">
+            <a:avLst/>
+          </a:prstGeom>
+        </p:spPr>
+      </p:pic>
+      <p:sp>
+        <p:nvSpPr>
+          <p:cNvPr id="31" name="Picture Placeholder 30">
+            <a:extLst>
+              <a:ext uri="{FF2B5EF4-FFF2-40B4-BE49-F238E27FC236}">
+                <a16:creationId xmlns:a16="http://schemas.microsoft.com/office/drawing/2014/main" id="{7EF0D5DF-0055-0181-B8C9-AA291E657696}"/>
+              </a:ext>
+            </a:extLst>
+          </p:cNvPr>
+          <p:cNvSpPr>
+            <a:spLocks noGrp="1"/>
+          </p:cNvSpPr>
+          <p:nvPr>
+            <p:ph type="pic" sz="quarter" idx="34"/>
+          </p:nvPr>
+        </p:nvSpPr>
+        <p:spPr/>
+        <p:txBody>
+          <a:bodyPr/>
+          <a:lstStyle/>
+          <a:p>
+            <a:endParaRPr lang="en-US"/>
+          </a:p>
+        </p:txBody>
+      </p:sp>
+      <p:pic>
+        <p:nvPicPr>
+          <p:cNvPr id="1026" name="Picture 2" descr="UNLV Rebels Logo and symbol, meaning, history, PNG, brand">
+            <a:extLst>
+              <a:ext uri="{FF2B5EF4-FFF2-40B4-BE49-F238E27FC236}">
+                <a16:creationId xmlns:a16="http://schemas.microsoft.com/office/drawing/2014/main" id="{B1B5CCB1-02C6-7478-7028-79C61269FF97}"/>
+              </a:ext>
+            </a:extLst>
+          </p:cNvPr>
+          <p:cNvPicPr>
+            <a:picLocks noChangeAspect="1" noChangeArrowheads="1"/>
+          </p:cNvPicPr>
+          <p:nvPr/>
+        </p:nvPicPr>
+        <p:blipFill>
+          <a:blip r:embed="rId3">
+            <a:extLst>
+              <a:ext uri="{28A0092B-C50C-407E-A947-70E740481C1C}">
+                <a14:useLocalDpi xmlns:a14="http://schemas.microsoft.com/office/drawing/2010/main" val="0"/>
+              </a:ext>
+            </a:extLst>
+          </a:blip>
+          <a:srcRect/>
+          <a:stretch>
+            <a:fillRect/>
+          </a:stretch>
+        </p:blipFill>
+        <p:spPr bwMode="auto">
+          <a:xfrm>
+            <a:off x="30850114" y="25767161"/>
+            <a:ext cx="2971800" cy="1671638"/>
+          </a:xfrm>
+          <a:prstGeom prst="rect">
+            <a:avLst/>
+          </a:prstGeom>
+          <a:noFill/>
+          <a:extLst>
+            <a:ext uri="{909E8E84-426E-40DD-AFC4-6F175D3DCCD1}">
+              <a14:hiddenFill xmlns:a14="http://schemas.microsoft.com/office/drawing/2010/main">
+                <a:solidFill>
+                  <a:srgbClr val="FFFFFF"/>
+                </a:solidFill>
+              </a14:hiddenFill>
+            </a:ext>
+          </a:extLst>
+        </p:spPr>
+      </p:pic>
+      <p:pic>
+        <p:nvPicPr>
+          <p:cNvPr id="34" name="Picture 33">
+            <a:extLst>
+              <a:ext uri="{FF2B5EF4-FFF2-40B4-BE49-F238E27FC236}">
+                <a16:creationId xmlns:a16="http://schemas.microsoft.com/office/drawing/2014/main" id="{8A875942-9D00-B719-C8B6-DDB5BF16E61F}"/>
+              </a:ext>
+            </a:extLst>
+          </p:cNvPr>
+          <p:cNvPicPr>
+            <a:picLocks noChangeAspect="1"/>
+          </p:cNvPicPr>
+          <p:nvPr/>
+        </p:nvPicPr>
+        <p:blipFill>
+          <a:blip r:embed="rId4"/>
+          <a:stretch>
+            <a:fillRect/>
+          </a:stretch>
+        </p:blipFill>
+        <p:spPr>
+          <a:xfrm>
+            <a:off x="13316844" y="11027344"/>
+            <a:ext cx="10165678" cy="9484870"/>
           </a:xfrm>
           <a:prstGeom prst="rect">
             <a:avLst/>
